--- a/src/docs/MiniProject.pptx
+++ b/src/docs/MiniProject.pptx
@@ -461,7 +461,7 @@
             <a:fld id="{B61BEF0D-F0BB-DE4B-95CE-6DB70DBA9567}" type="datetimeFigureOut">
               <a:rPr lang="en-US" dirty="0"/>
               <a:pPr/>
-              <a:t>10/22/2023</a:t>
+              <a:t>11/5/2023</a:t>
             </a:fld>
             <a:endParaRPr lang="en-US" dirty="0"/>
           </a:p>
@@ -787,7 +787,7 @@
             <a:fld id="{B61BEF0D-F0BB-DE4B-95CE-6DB70DBA9567}" type="datetimeFigureOut">
               <a:rPr lang="en-US" dirty="0"/>
               <a:pPr/>
-              <a:t>10/22/2023</a:t>
+              <a:t>11/5/2023</a:t>
             </a:fld>
             <a:endParaRPr lang="en-US" dirty="0"/>
           </a:p>
@@ -1037,7 +1037,7 @@
             <a:fld id="{B61BEF0D-F0BB-DE4B-95CE-6DB70DBA9567}" type="datetimeFigureOut">
               <a:rPr lang="en-US" dirty="0"/>
               <a:pPr/>
-              <a:t>10/22/2023</a:t>
+              <a:t>11/5/2023</a:t>
             </a:fld>
             <a:endParaRPr lang="en-US" dirty="0"/>
           </a:p>
@@ -1378,7 +1378,7 @@
             <a:fld id="{B61BEF0D-F0BB-DE4B-95CE-6DB70DBA9567}" type="datetimeFigureOut">
               <a:rPr lang="en-US" dirty="0"/>
               <a:pPr/>
-              <a:t>10/22/2023</a:t>
+              <a:t>11/5/2023</a:t>
             </a:fld>
             <a:endParaRPr lang="en-US" dirty="0"/>
           </a:p>
@@ -1727,7 +1727,7 @@
             <a:fld id="{B61BEF0D-F0BB-DE4B-95CE-6DB70DBA9567}" type="datetimeFigureOut">
               <a:rPr lang="en-US" dirty="0"/>
               <a:pPr/>
-              <a:t>10/22/2023</a:t>
+              <a:t>11/5/2023</a:t>
             </a:fld>
             <a:endParaRPr lang="en-US" dirty="0"/>
           </a:p>
@@ -2103,7 +2103,7 @@
             <a:fld id="{B61BEF0D-F0BB-DE4B-95CE-6DB70DBA9567}" type="datetimeFigureOut">
               <a:rPr lang="en-US" dirty="0"/>
               <a:pPr/>
-              <a:t>10/22/2023</a:t>
+              <a:t>11/5/2023</a:t>
             </a:fld>
             <a:endParaRPr lang="en-US" dirty="0"/>
           </a:p>
@@ -2575,7 +2575,7 @@
             <a:fld id="{B61BEF0D-F0BB-DE4B-95CE-6DB70DBA9567}" type="datetimeFigureOut">
               <a:rPr lang="en-US" dirty="0"/>
               <a:pPr/>
-              <a:t>10/22/2023</a:t>
+              <a:t>11/5/2023</a:t>
             </a:fld>
             <a:endParaRPr lang="en-US" dirty="0"/>
           </a:p>
@@ -2787,7 +2787,7 @@
             <a:fld id="{B61BEF0D-F0BB-DE4B-95CE-6DB70DBA9567}" type="datetimeFigureOut">
               <a:rPr lang="en-US" dirty="0"/>
               <a:pPr/>
-              <a:t>10/22/2023</a:t>
+              <a:t>11/5/2023</a:t>
             </a:fld>
             <a:endParaRPr lang="en-US" dirty="0"/>
           </a:p>
@@ -3000,7 +3000,7 @@
             <a:fld id="{B61BEF0D-F0BB-DE4B-95CE-6DB70DBA9567}" type="datetimeFigureOut">
               <a:rPr lang="en-US" dirty="0"/>
               <a:pPr/>
-              <a:t>10/22/2023</a:t>
+              <a:t>11/5/2023</a:t>
             </a:fld>
             <a:endParaRPr lang="en-US" dirty="0"/>
           </a:p>
@@ -3233,7 +3233,7 @@
           <a:p>
             <a:fld id="{05BFA754-D5C3-4E66-96A6-867B257F58DC}" type="datetimeFigureOut">
               <a:rPr lang="en-US" dirty="0"/>
-              <a:t>10/22/2023</a:t>
+              <a:t>11/5/2023</a:t>
             </a:fld>
             <a:endParaRPr lang="en-US" dirty="0"/>
           </a:p>
@@ -3482,7 +3482,7 @@
             <a:fld id="{B61BEF0D-F0BB-DE4B-95CE-6DB70DBA9567}" type="datetimeFigureOut">
               <a:rPr lang="en-US" dirty="0"/>
               <a:pPr/>
-              <a:t>10/22/2023</a:t>
+              <a:t>11/5/2023</a:t>
             </a:fld>
             <a:endParaRPr lang="en-US" dirty="0"/>
           </a:p>
@@ -3786,7 +3786,7 @@
           <a:p>
             <a:fld id="{05BFA754-D5C3-4E66-96A6-867B257F58DC}" type="datetimeFigureOut">
               <a:rPr lang="en-US" dirty="0"/>
-              <a:t>10/22/2023</a:t>
+              <a:t>11/5/2023</a:t>
             </a:fld>
             <a:endParaRPr lang="en-US" dirty="0"/>
           </a:p>
@@ -4169,7 +4169,7 @@
             <a:fld id="{B61BEF0D-F0BB-DE4B-95CE-6DB70DBA9567}" type="datetimeFigureOut">
               <a:rPr lang="en-US" dirty="0"/>
               <a:pPr/>
-              <a:t>10/22/2023</a:t>
+              <a:t>11/5/2023</a:t>
             </a:fld>
             <a:endParaRPr lang="en-US" dirty="0"/>
           </a:p>
@@ -4325,7 +4325,7 @@
             <a:fld id="{B61BEF0D-F0BB-DE4B-95CE-6DB70DBA9567}" type="datetimeFigureOut">
               <a:rPr lang="en-US" dirty="0"/>
               <a:pPr/>
-              <a:t>10/22/2023</a:t>
+              <a:t>11/5/2023</a:t>
             </a:fld>
             <a:endParaRPr lang="en-US" dirty="0"/>
           </a:p>
@@ -4453,7 +4453,7 @@
             <a:fld id="{B61BEF0D-F0BB-DE4B-95CE-6DB70DBA9567}" type="datetimeFigureOut">
               <a:rPr lang="en-US" dirty="0"/>
               <a:pPr/>
-              <a:t>10/22/2023</a:t>
+              <a:t>11/5/2023</a:t>
             </a:fld>
             <a:endParaRPr lang="en-US" dirty="0"/>
           </a:p>
@@ -4710,7 +4710,7 @@
             <a:fld id="{B61BEF0D-F0BB-DE4B-95CE-6DB70DBA9567}" type="datetimeFigureOut">
               <a:rPr lang="en-US" dirty="0"/>
               <a:pPr/>
-              <a:t>10/22/2023</a:t>
+              <a:t>11/5/2023</a:t>
             </a:fld>
             <a:endParaRPr lang="en-US" dirty="0"/>
           </a:p>
@@ -5026,7 +5026,7 @@
             <a:fld id="{B61BEF0D-F0BB-DE4B-95CE-6DB70DBA9567}" type="datetimeFigureOut">
               <a:rPr lang="en-US" dirty="0"/>
               <a:pPr/>
-              <a:t>10/22/2023</a:t>
+              <a:t>11/5/2023</a:t>
             </a:fld>
             <a:endParaRPr lang="en-US" dirty="0"/>
           </a:p>
@@ -5379,7 +5379,7 @@
             <a:fld id="{B61BEF0D-F0BB-DE4B-95CE-6DB70DBA9567}" type="datetimeFigureOut">
               <a:rPr lang="en-US" dirty="0"/>
               <a:pPr/>
-              <a:t>10/22/2023</a:t>
+              <a:t>11/5/2023</a:t>
             </a:fld>
             <a:endParaRPr lang="en-US" dirty="0"/>
           </a:p>
@@ -12616,11 +12616,18 @@
               <a:buChar char="v"/>
             </a:pPr>
             <a:r>
+              <a:rPr lang="en-GB" sz="1600" b="1">
+                <a:latin typeface="Times New Roman" panose="02020603050405020304" pitchFamily="18" charset="0"/>
+                <a:cs typeface="Times New Roman" panose="02020603050405020304" pitchFamily="18" charset="0"/>
+              </a:rPr>
+              <a:t>Skills </a:t>
+            </a:r>
+            <a:r>
               <a:rPr lang="en-GB" sz="1600" b="1" dirty="0">
                 <a:latin typeface="Times New Roman" panose="02020603050405020304" pitchFamily="18" charset="0"/>
                 <a:cs typeface="Times New Roman" panose="02020603050405020304" pitchFamily="18" charset="0"/>
               </a:rPr>
-              <a:t>.Skills Enhancement: Campus Connect offers resources for students to enhance their job readiness.</a:t>
+              <a:t>Enhancement: Campus Connect offers resources for students to enhance their job readiness.</a:t>
             </a:r>
           </a:p>
           <a:p>

--- a/src/docs/MiniProject.pptx
+++ b/src/docs/MiniProject.pptx
@@ -461,7 +461,7 @@
             <a:fld id="{B61BEF0D-F0BB-DE4B-95CE-6DB70DBA9567}" type="datetimeFigureOut">
               <a:rPr lang="en-US" dirty="0"/>
               <a:pPr/>
-              <a:t>11/5/2023</a:t>
+              <a:t>11/6/2023</a:t>
             </a:fld>
             <a:endParaRPr lang="en-US" dirty="0"/>
           </a:p>
@@ -787,7 +787,7 @@
             <a:fld id="{B61BEF0D-F0BB-DE4B-95CE-6DB70DBA9567}" type="datetimeFigureOut">
               <a:rPr lang="en-US" dirty="0"/>
               <a:pPr/>
-              <a:t>11/5/2023</a:t>
+              <a:t>11/6/2023</a:t>
             </a:fld>
             <a:endParaRPr lang="en-US" dirty="0"/>
           </a:p>
@@ -1037,7 +1037,7 @@
             <a:fld id="{B61BEF0D-F0BB-DE4B-95CE-6DB70DBA9567}" type="datetimeFigureOut">
               <a:rPr lang="en-US" dirty="0"/>
               <a:pPr/>
-              <a:t>11/5/2023</a:t>
+              <a:t>11/6/2023</a:t>
             </a:fld>
             <a:endParaRPr lang="en-US" dirty="0"/>
           </a:p>
@@ -1378,7 +1378,7 @@
             <a:fld id="{B61BEF0D-F0BB-DE4B-95CE-6DB70DBA9567}" type="datetimeFigureOut">
               <a:rPr lang="en-US" dirty="0"/>
               <a:pPr/>
-              <a:t>11/5/2023</a:t>
+              <a:t>11/6/2023</a:t>
             </a:fld>
             <a:endParaRPr lang="en-US" dirty="0"/>
           </a:p>
@@ -1727,7 +1727,7 @@
             <a:fld id="{B61BEF0D-F0BB-DE4B-95CE-6DB70DBA9567}" type="datetimeFigureOut">
               <a:rPr lang="en-US" dirty="0"/>
               <a:pPr/>
-              <a:t>11/5/2023</a:t>
+              <a:t>11/6/2023</a:t>
             </a:fld>
             <a:endParaRPr lang="en-US" dirty="0"/>
           </a:p>
@@ -2103,7 +2103,7 @@
             <a:fld id="{B61BEF0D-F0BB-DE4B-95CE-6DB70DBA9567}" type="datetimeFigureOut">
               <a:rPr lang="en-US" dirty="0"/>
               <a:pPr/>
-              <a:t>11/5/2023</a:t>
+              <a:t>11/6/2023</a:t>
             </a:fld>
             <a:endParaRPr lang="en-US" dirty="0"/>
           </a:p>
@@ -2575,7 +2575,7 @@
             <a:fld id="{B61BEF0D-F0BB-DE4B-95CE-6DB70DBA9567}" type="datetimeFigureOut">
               <a:rPr lang="en-US" dirty="0"/>
               <a:pPr/>
-              <a:t>11/5/2023</a:t>
+              <a:t>11/6/2023</a:t>
             </a:fld>
             <a:endParaRPr lang="en-US" dirty="0"/>
           </a:p>
@@ -2787,7 +2787,7 @@
             <a:fld id="{B61BEF0D-F0BB-DE4B-95CE-6DB70DBA9567}" type="datetimeFigureOut">
               <a:rPr lang="en-US" dirty="0"/>
               <a:pPr/>
-              <a:t>11/5/2023</a:t>
+              <a:t>11/6/2023</a:t>
             </a:fld>
             <a:endParaRPr lang="en-US" dirty="0"/>
           </a:p>
@@ -3000,7 +3000,7 @@
             <a:fld id="{B61BEF0D-F0BB-DE4B-95CE-6DB70DBA9567}" type="datetimeFigureOut">
               <a:rPr lang="en-US" dirty="0"/>
               <a:pPr/>
-              <a:t>11/5/2023</a:t>
+              <a:t>11/6/2023</a:t>
             </a:fld>
             <a:endParaRPr lang="en-US" dirty="0"/>
           </a:p>
@@ -3233,7 +3233,7 @@
           <a:p>
             <a:fld id="{05BFA754-D5C3-4E66-96A6-867B257F58DC}" type="datetimeFigureOut">
               <a:rPr lang="en-US" dirty="0"/>
-              <a:t>11/5/2023</a:t>
+              <a:t>11/6/2023</a:t>
             </a:fld>
             <a:endParaRPr lang="en-US" dirty="0"/>
           </a:p>
@@ -3482,7 +3482,7 @@
             <a:fld id="{B61BEF0D-F0BB-DE4B-95CE-6DB70DBA9567}" type="datetimeFigureOut">
               <a:rPr lang="en-US" dirty="0"/>
               <a:pPr/>
-              <a:t>11/5/2023</a:t>
+              <a:t>11/6/2023</a:t>
             </a:fld>
             <a:endParaRPr lang="en-US" dirty="0"/>
           </a:p>
@@ -3786,7 +3786,7 @@
           <a:p>
             <a:fld id="{05BFA754-D5C3-4E66-96A6-867B257F58DC}" type="datetimeFigureOut">
               <a:rPr lang="en-US" dirty="0"/>
-              <a:t>11/5/2023</a:t>
+              <a:t>11/6/2023</a:t>
             </a:fld>
             <a:endParaRPr lang="en-US" dirty="0"/>
           </a:p>
@@ -4169,7 +4169,7 @@
             <a:fld id="{B61BEF0D-F0BB-DE4B-95CE-6DB70DBA9567}" type="datetimeFigureOut">
               <a:rPr lang="en-US" dirty="0"/>
               <a:pPr/>
-              <a:t>11/5/2023</a:t>
+              <a:t>11/6/2023</a:t>
             </a:fld>
             <a:endParaRPr lang="en-US" dirty="0"/>
           </a:p>
@@ -4325,7 +4325,7 @@
             <a:fld id="{B61BEF0D-F0BB-DE4B-95CE-6DB70DBA9567}" type="datetimeFigureOut">
               <a:rPr lang="en-US" dirty="0"/>
               <a:pPr/>
-              <a:t>11/5/2023</a:t>
+              <a:t>11/6/2023</a:t>
             </a:fld>
             <a:endParaRPr lang="en-US" dirty="0"/>
           </a:p>
@@ -4453,7 +4453,7 @@
             <a:fld id="{B61BEF0D-F0BB-DE4B-95CE-6DB70DBA9567}" type="datetimeFigureOut">
               <a:rPr lang="en-US" dirty="0"/>
               <a:pPr/>
-              <a:t>11/5/2023</a:t>
+              <a:t>11/6/2023</a:t>
             </a:fld>
             <a:endParaRPr lang="en-US" dirty="0"/>
           </a:p>
@@ -4710,7 +4710,7 @@
             <a:fld id="{B61BEF0D-F0BB-DE4B-95CE-6DB70DBA9567}" type="datetimeFigureOut">
               <a:rPr lang="en-US" dirty="0"/>
               <a:pPr/>
-              <a:t>11/5/2023</a:t>
+              <a:t>11/6/2023</a:t>
             </a:fld>
             <a:endParaRPr lang="en-US" dirty="0"/>
           </a:p>
@@ -5026,7 +5026,7 @@
             <a:fld id="{B61BEF0D-F0BB-DE4B-95CE-6DB70DBA9567}" type="datetimeFigureOut">
               <a:rPr lang="en-US" dirty="0"/>
               <a:pPr/>
-              <a:t>11/5/2023</a:t>
+              <a:t>11/6/2023</a:t>
             </a:fld>
             <a:endParaRPr lang="en-US" dirty="0"/>
           </a:p>
@@ -5379,7 +5379,7 @@
             <a:fld id="{B61BEF0D-F0BB-DE4B-95CE-6DB70DBA9567}" type="datetimeFigureOut">
               <a:rPr lang="en-US" dirty="0"/>
               <a:pPr/>
-              <a:t>11/5/2023</a:t>
+              <a:t>11/6/2023</a:t>
             </a:fld>
             <a:endParaRPr lang="en-US" dirty="0"/>
           </a:p>
@@ -8830,7 +8830,7 @@
         <p:spPr>
           <a:xfrm>
             <a:off x="970384" y="1374393"/>
-            <a:ext cx="7259216" cy="4524315"/>
+            <a:ext cx="7259216" cy="4247317"/>
           </a:xfrm>
           <a:prstGeom prst="rect">
             <a:avLst/>
@@ -8848,7 +8848,10 @@
               <a:buChar char="Ø"/>
             </a:pPr>
             <a:r>
-              <a:rPr lang="en-IN" b="1" dirty="0"/>
+              <a:rPr lang="en-IN" b="1" dirty="0">
+                <a:latin typeface="Times New Roman" panose="02020603050405020304" pitchFamily="18" charset="0"/>
+                <a:cs typeface="Times New Roman" panose="02020603050405020304" pitchFamily="18" charset="0"/>
+              </a:rPr>
               <a:t>The implementation of the campus pool placement system has shown promising results in streamlining the placement process. </a:t>
             </a:r>
           </a:p>
@@ -8858,7 +8861,10 @@
               <a:buChar char="Ø"/>
             </a:pPr>
             <a:r>
-              <a:rPr lang="en-IN" b="1" dirty="0"/>
+              <a:rPr lang="en-IN" b="1" dirty="0">
+                <a:latin typeface="Times New Roman" panose="02020603050405020304" pitchFamily="18" charset="0"/>
+                <a:cs typeface="Times New Roman" panose="02020603050405020304" pitchFamily="18" charset="0"/>
+              </a:rPr>
               <a:t>The platform's user-friendly interface and efficient algorithm have significantly reduced administrative overhead and improved the overall experience for both students and recruiters. </a:t>
             </a:r>
           </a:p>
@@ -8868,7 +8874,10 @@
               <a:buChar char="Ø"/>
             </a:pPr>
             <a:r>
-              <a:rPr lang="en-IN" b="1" dirty="0"/>
+              <a:rPr lang="en-IN" b="1" dirty="0">
+                <a:latin typeface="Times New Roman" panose="02020603050405020304" pitchFamily="18" charset="0"/>
+                <a:cs typeface="Times New Roman" panose="02020603050405020304" pitchFamily="18" charset="0"/>
+              </a:rPr>
               <a:t>The incorporation of data analytics has provided valuable insights, enabling better decision-making for placement strategies. It is evident that this system holds great potential in revolutionizing the placement process, making it more transparent, efficient, and effective.</a:t>
             </a:r>
           </a:p>
@@ -8878,7 +8887,10 @@
               <a:buChar char="Ø"/>
             </a:pPr>
             <a:r>
-              <a:rPr lang="en-IN" b="1" dirty="0"/>
+              <a:rPr lang="en-IN" b="1" dirty="0">
+                <a:latin typeface="Times New Roman" panose="02020603050405020304" pitchFamily="18" charset="0"/>
+                <a:cs typeface="Times New Roman" panose="02020603050405020304" pitchFamily="18" charset="0"/>
+              </a:rPr>
               <a:t> With further refinement and feedback integration, this tool can serve as a benchmark for optimizing placement procedures in educational institutions. </a:t>
             </a:r>
           </a:p>
@@ -8888,7 +8900,10 @@
               <a:buChar char="Ø"/>
             </a:pPr>
             <a:r>
-              <a:rPr lang="en-IN" b="1" dirty="0"/>
+              <a:rPr lang="en-IN" b="1" dirty="0">
+                <a:latin typeface="Times New Roman" panose="02020603050405020304" pitchFamily="18" charset="0"/>
+                <a:cs typeface="Times New Roman" panose="02020603050405020304" pitchFamily="18" charset="0"/>
+              </a:rPr>
               <a:t>The successful deployment of the campus pool placement system stands as a testament to the benefits of leveraging technology for enhancing academic and professional opportunities for students.</a:t>
             </a:r>
           </a:p>
@@ -8981,7 +8996,7 @@
         </p:nvSpPr>
         <p:spPr>
           <a:xfrm>
-            <a:off x="1172631" y="915337"/>
+            <a:off x="1172631" y="1175314"/>
             <a:ext cx="6798735" cy="1303867"/>
           </a:xfrm>
         </p:spPr>
